--- a/media/api_calling_process.pptx
+++ b/media/api_calling_process.pptx
@@ -203,7 +203,7 @@
           <a:p>
             <a:fld id="{47277FB0-21EC-48C5-90B0-184600466A6C}" type="datetimeFigureOut">
               <a:rPr lang="zh-CN" altLang="en-US" smtClean="0"/>
-              <a:t>2018/11/30</a:t>
+              <a:t>2018/12/5</a:t>
             </a:fld>
             <a:endParaRPr lang="zh-CN" altLang="en-US"/>
           </a:p>
@@ -368,7 +368,7 @@
           <a:p>
             <a:fld id="{9C967889-4715-5C4F-A252-FFC716185AB6}" type="datetimeFigureOut">
               <a:rPr lang="en-US" smtClean="0"/>
-              <a:t>11/30/2018</a:t>
+              <a:t>12/5/2018</a:t>
             </a:fld>
             <a:endParaRPr lang="en-US"/>
           </a:p>
@@ -4176,8 +4176,8 @@
           </p:nvSpPr>
           <p:spPr>
             <a:xfrm>
-              <a:off x="3721599" y="2898519"/>
-              <a:ext cx="1524564" cy="307777"/>
+              <a:off x="3627328" y="2898519"/>
+              <a:ext cx="1783195" cy="307777"/>
             </a:xfrm>
             <a:prstGeom prst="rect">
               <a:avLst/>
@@ -4206,25 +4206,7 @@
                   </a:solidFill>
                   <a:latin typeface="Helvetica" pitchFamily="2" charset="0"/>
                 </a:rPr>
-                <a:t> </a:t>
-              </a:r>
-              <a:r>
-                <a:rPr kumimoji="1" lang="en-US" altLang="zh-CN" sz="1400" dirty="0">
-                  <a:solidFill>
-                    <a:schemeClr val="bg2"/>
-                  </a:solidFill>
-                  <a:latin typeface="Helvetica" pitchFamily="2" charset="0"/>
-                </a:rPr>
-                <a:t>API</a:t>
-              </a:r>
-              <a:r>
-                <a:rPr kumimoji="1" lang="zh-CN" altLang="en-US" sz="1400" dirty="0">
-                  <a:solidFill>
-                    <a:schemeClr val="bg2"/>
-                  </a:solidFill>
-                  <a:latin typeface="Helvetica" pitchFamily="2" charset="0"/>
-                </a:rPr>
-                <a:t> </a:t>
+                <a:t> 服务 </a:t>
               </a:r>
               <a:r>
                 <a:rPr kumimoji="1" lang="en-US" altLang="zh-CN" sz="1400" dirty="0">

--- a/media/api_calling_process.pptx
+++ b/media/api_calling_process.pptx
@@ -203,7 +203,7 @@
           <a:p>
             <a:fld id="{47277FB0-21EC-48C5-90B0-184600466A6C}" type="datetimeFigureOut">
               <a:rPr lang="zh-CN" altLang="en-US" smtClean="0"/>
-              <a:t>2018/12/5</a:t>
+              <a:t>2019/9/26</a:t>
             </a:fld>
             <a:endParaRPr lang="zh-CN" altLang="en-US"/>
           </a:p>
@@ -368,7 +368,7 @@
           <a:p>
             <a:fld id="{9C967889-4715-5C4F-A252-FFC716185AB6}" type="datetimeFigureOut">
               <a:rPr lang="en-US" smtClean="0"/>
-              <a:t>12/5/2018</a:t>
+              <a:t>9/26/2019</a:t>
             </a:fld>
             <a:endParaRPr lang="en-US"/>
           </a:p>
